--- a/HPMW project file/HPMW ppt 파일/HPMW 박동규 PPT.pptx
+++ b/HPMW project file/HPMW ppt 파일/HPMW 박동규 PPT.pptx
@@ -5,7 +5,7 @@
     <p:sldMasterId id="2147483648" r:id="rId1"/>
   </p:sldMasterIdLst>
   <p:notesMasterIdLst>
-    <p:notesMasterId r:id="rId33"/>
+    <p:notesMasterId r:id="rId34"/>
   </p:notesMasterIdLst>
   <p:sldIdLst>
     <p:sldId id="276" r:id="rId2"/>
@@ -38,7 +38,8 @@
     <p:sldId id="359" r:id="rId29"/>
     <p:sldId id="358" r:id="rId30"/>
     <p:sldId id="360" r:id="rId31"/>
-    <p:sldId id="346" r:id="rId32"/>
+    <p:sldId id="362" r:id="rId32"/>
+    <p:sldId id="346" r:id="rId33"/>
   </p:sldIdLst>
   <p:sldSz cx="12192000" cy="6858000"/>
   <p:notesSz cx="6858000" cy="9144000"/>
@@ -4144,12 +4145,96 @@
           </a:p>
         </p:txBody>
       </p:sp>
+      <p:sp>
+        <p:nvSpPr>
+          <p:cNvPr id="8" name="TextBox 7">
+            <a:extLst>
+              <a:ext uri="{FF2B5EF4-FFF2-40B4-BE49-F238E27FC236}">
+                <a16:creationId xmlns:a16="http://schemas.microsoft.com/office/drawing/2014/main" id="{8305840D-96A9-0311-9602-B5164585AF5A}"/>
+              </a:ext>
+            </a:extLst>
+          </p:cNvPr>
+          <p:cNvSpPr txBox="1"/>
+          <p:nvPr/>
+        </p:nvSpPr>
+        <p:spPr>
+          <a:xfrm>
+            <a:off x="590763" y="206033"/>
+            <a:ext cx="6808327" cy="461665"/>
+          </a:xfrm>
+          <a:prstGeom prst="rect">
+            <a:avLst/>
+          </a:prstGeom>
+          <a:noFill/>
+        </p:spPr>
+        <p:txBody>
+          <a:bodyPr wrap="square" rtlCol="0">
+            <a:spAutoFit/>
+          </a:bodyPr>
+          <a:lstStyle/>
+          <a:p>
+            <a:r>
+              <a:rPr lang="en-US" altLang="ko-KR" sz="2400" b="1" dirty="0">
+                <a:solidFill>
+                  <a:srgbClr val="003057"/>
+                </a:solidFill>
+              </a:rPr>
+              <a:t>6. </a:t>
+            </a:r>
+            <a:r>
+              <a:rPr lang="ko-KR" altLang="en-US" sz="2400" b="1" dirty="0" err="1">
+                <a:solidFill>
+                  <a:srgbClr val="003057"/>
+                </a:solidFill>
+              </a:rPr>
+              <a:t>유스케이스</a:t>
+            </a:r>
+            <a:r>
+              <a:rPr lang="ko-KR" altLang="en-US" sz="2400" b="1" dirty="0">
+                <a:solidFill>
+                  <a:srgbClr val="003057"/>
+                </a:solidFill>
+              </a:rPr>
+              <a:t> 다이어그램</a:t>
+            </a:r>
+            <a:r>
+              <a:rPr lang="en-US" altLang="ko-KR" sz="1600" b="1" dirty="0">
+                <a:solidFill>
+                  <a:srgbClr val="003057"/>
+                </a:solidFill>
+              </a:rPr>
+              <a:t>(</a:t>
+            </a:r>
+            <a:r>
+              <a:rPr lang="en-US" altLang="ko-KR" sz="1600" b="1" dirty="0" err="1">
+                <a:solidFill>
+                  <a:srgbClr val="003057"/>
+                </a:solidFill>
+              </a:rPr>
+              <a:t>usecase</a:t>
+            </a:r>
+            <a:r>
+              <a:rPr lang="en-US" altLang="ko-KR" sz="1600" b="1" dirty="0">
+                <a:solidFill>
+                  <a:srgbClr val="003057"/>
+                </a:solidFill>
+              </a:rPr>
+              <a:t> diagram)</a:t>
+            </a:r>
+            <a:endParaRPr lang="ko-KR" altLang="en-US" sz="2400" b="1" dirty="0">
+              <a:solidFill>
+                <a:srgbClr val="003057"/>
+              </a:solidFill>
+            </a:endParaRPr>
+          </a:p>
+        </p:txBody>
+      </p:sp>
       <p:pic>
         <p:nvPicPr>
-          <p:cNvPr id="2050" name="Picture 2">
+          <p:cNvPr id="1026" name="Picture 2">
             <a:extLst>
               <a:ext uri="{FF2B5EF4-FFF2-40B4-BE49-F238E27FC236}">
-                <a16:creationId xmlns:a16="http://schemas.microsoft.com/office/drawing/2014/main" id="{690A5370-698D-C75E-DEA4-1C9DD3E35B3B}"/>
+                <a16:creationId xmlns:a16="http://schemas.microsoft.com/office/drawing/2014/main" id="{ACC70743-3ED1-B45F-54BB-F203E8DE1F01}"/>
               </a:ext>
             </a:extLst>
           </p:cNvPr>
@@ -4173,7 +4258,7 @@
         </p:blipFill>
         <p:spPr bwMode="auto">
           <a:xfrm>
-            <a:off x="948820" y="939567"/>
+            <a:off x="790478" y="953797"/>
             <a:ext cx="9839422" cy="5361013"/>
           </a:xfrm>
           <a:prstGeom prst="rect">
@@ -4191,90 +4276,6 @@
           </a:extLst>
         </p:spPr>
       </p:pic>
-      <p:sp>
-        <p:nvSpPr>
-          <p:cNvPr id="8" name="TextBox 7">
-            <a:extLst>
-              <a:ext uri="{FF2B5EF4-FFF2-40B4-BE49-F238E27FC236}">
-                <a16:creationId xmlns:a16="http://schemas.microsoft.com/office/drawing/2014/main" id="{8305840D-96A9-0311-9602-B5164585AF5A}"/>
-              </a:ext>
-            </a:extLst>
-          </p:cNvPr>
-          <p:cNvSpPr txBox="1"/>
-          <p:nvPr/>
-        </p:nvSpPr>
-        <p:spPr>
-          <a:xfrm>
-            <a:off x="590763" y="206033"/>
-            <a:ext cx="6808327" cy="461665"/>
-          </a:xfrm>
-          <a:prstGeom prst="rect">
-            <a:avLst/>
-          </a:prstGeom>
-          <a:noFill/>
-        </p:spPr>
-        <p:txBody>
-          <a:bodyPr wrap="square" rtlCol="0">
-            <a:spAutoFit/>
-          </a:bodyPr>
-          <a:lstStyle/>
-          <a:p>
-            <a:r>
-              <a:rPr lang="en-US" altLang="ko-KR" sz="2400" b="1" dirty="0">
-                <a:solidFill>
-                  <a:srgbClr val="003057"/>
-                </a:solidFill>
-              </a:rPr>
-              <a:t>6. </a:t>
-            </a:r>
-            <a:r>
-              <a:rPr lang="ko-KR" altLang="en-US" sz="2400" b="1" dirty="0" err="1">
-                <a:solidFill>
-                  <a:srgbClr val="003057"/>
-                </a:solidFill>
-              </a:rPr>
-              <a:t>유스케이스</a:t>
-            </a:r>
-            <a:r>
-              <a:rPr lang="ko-KR" altLang="en-US" sz="2400" b="1" dirty="0">
-                <a:solidFill>
-                  <a:srgbClr val="003057"/>
-                </a:solidFill>
-              </a:rPr>
-              <a:t> 다이어그램</a:t>
-            </a:r>
-            <a:r>
-              <a:rPr lang="en-US" altLang="ko-KR" sz="1600" b="1" dirty="0">
-                <a:solidFill>
-                  <a:srgbClr val="003057"/>
-                </a:solidFill>
-              </a:rPr>
-              <a:t>(</a:t>
-            </a:r>
-            <a:r>
-              <a:rPr lang="en-US" altLang="ko-KR" sz="1600" b="1" dirty="0" err="1">
-                <a:solidFill>
-                  <a:srgbClr val="003057"/>
-                </a:solidFill>
-              </a:rPr>
-              <a:t>usecase</a:t>
-            </a:r>
-            <a:r>
-              <a:rPr lang="en-US" altLang="ko-KR" sz="1600" b="1" dirty="0">
-                <a:solidFill>
-                  <a:srgbClr val="003057"/>
-                </a:solidFill>
-              </a:rPr>
-              <a:t> diagram)</a:t>
-            </a:r>
-            <a:endParaRPr lang="ko-KR" altLang="en-US" sz="2400" b="1" dirty="0">
-              <a:solidFill>
-                <a:srgbClr val="003057"/>
-              </a:solidFill>
-            </a:endParaRPr>
-          </a:p>
-        </p:txBody>
-      </p:sp>
     </p:spTree>
     <p:extLst>
       <p:ext uri="{BB962C8B-B14F-4D97-AF65-F5344CB8AC3E}">
@@ -15343,8 +15344,8 @@
         </p:nvSpPr>
         <p:spPr>
           <a:xfrm>
-            <a:off x="590763" y="206033"/>
-            <a:ext cx="7567816" cy="830997"/>
+            <a:off x="590762" y="206033"/>
+            <a:ext cx="7854785" cy="461665"/>
           </a:xfrm>
           <a:prstGeom prst="rect">
             <a:avLst/>
@@ -25793,6 +25794,36 @@
           <a:chExt cx="0" cy="0"/>
         </a:xfrm>
       </p:grpSpPr>
+      <p:pic>
+        <p:nvPicPr>
+          <p:cNvPr id="29" name="그림 28">
+            <a:extLst>
+              <a:ext uri="{FF2B5EF4-FFF2-40B4-BE49-F238E27FC236}">
+                <a16:creationId xmlns:a16="http://schemas.microsoft.com/office/drawing/2014/main" id="{772F6C10-00C0-DEA5-D8FB-98E0F8678E7B}"/>
+              </a:ext>
+            </a:extLst>
+          </p:cNvPr>
+          <p:cNvPicPr>
+            <a:picLocks noChangeAspect="1"/>
+          </p:cNvPicPr>
+          <p:nvPr/>
+        </p:nvPicPr>
+        <p:blipFill>
+          <a:blip r:embed="rId2"/>
+          <a:stretch>
+            <a:fillRect/>
+          </a:stretch>
+        </p:blipFill>
+        <p:spPr>
+          <a:xfrm>
+            <a:off x="2786640" y="3523593"/>
+            <a:ext cx="4839279" cy="2593123"/>
+          </a:xfrm>
+          <a:prstGeom prst="rect">
+            <a:avLst/>
+          </a:prstGeom>
+        </p:spPr>
+      </p:pic>
       <p:sp>
         <p:nvSpPr>
           <p:cNvPr id="2" name="슬라이드 번호 개체 틀 1"/>
@@ -25812,6 +25843,780 @@
               <a:rPr lang="ko-KR" altLang="en-US" smtClean="0"/>
               <a:pPr/>
               <a:t>31</a:t>
+            </a:fld>
+            <a:endParaRPr lang="ko-KR" altLang="en-US" dirty="0"/>
+          </a:p>
+        </p:txBody>
+      </p:sp>
+      <p:sp>
+        <p:nvSpPr>
+          <p:cNvPr id="39" name="모서리가 둥근 직사각형 38"/>
+          <p:cNvSpPr/>
+          <p:nvPr/>
+        </p:nvSpPr>
+        <p:spPr>
+          <a:xfrm>
+            <a:off x="7625919" y="784622"/>
+            <a:ext cx="4132449" cy="5420870"/>
+          </a:xfrm>
+          <a:prstGeom prst="roundRect">
+            <a:avLst>
+              <a:gd name="adj" fmla="val 10188"/>
+            </a:avLst>
+          </a:prstGeom>
+          <a:noFill/>
+          <a:ln w="38100">
+            <a:solidFill>
+              <a:srgbClr val="003057"/>
+            </a:solidFill>
+          </a:ln>
+        </p:spPr>
+        <p:style>
+          <a:lnRef idx="2">
+            <a:schemeClr val="accent1">
+              <a:shade val="50000"/>
+            </a:schemeClr>
+          </a:lnRef>
+          <a:fillRef idx="1">
+            <a:schemeClr val="accent1"/>
+          </a:fillRef>
+          <a:effectRef idx="0">
+            <a:schemeClr val="accent1"/>
+          </a:effectRef>
+          <a:fontRef idx="minor">
+            <a:schemeClr val="lt1"/>
+          </a:fontRef>
+        </p:style>
+        <p:txBody>
+          <a:bodyPr rot="0" spcFirstLastPara="0" vertOverflow="overflow" horzOverflow="overflow" vert="horz" wrap="square" lIns="0" tIns="0" rIns="0" bIns="0" numCol="1" spcCol="0" rtlCol="0" fromWordArt="0" anchor="ctr" anchorCtr="0" forceAA="0" compatLnSpc="1">
+            <a:prstTxWarp prst="textNoShape">
+              <a:avLst/>
+            </a:prstTxWarp>
+            <a:noAutofit/>
+          </a:bodyPr>
+          <a:lstStyle/>
+          <a:p>
+            <a:pPr>
+              <a:lnSpc>
+                <a:spcPct val="200000"/>
+              </a:lnSpc>
+            </a:pPr>
+            <a:endParaRPr lang="ko-KR" altLang="en-US" sz="1600" b="1" dirty="0">
+              <a:solidFill>
+                <a:schemeClr val="tx1"/>
+              </a:solidFill>
+            </a:endParaRPr>
+          </a:p>
+        </p:txBody>
+      </p:sp>
+      <p:sp>
+        <p:nvSpPr>
+          <p:cNvPr id="21" name="TextBox 20">
+            <a:extLst>
+              <a:ext uri="{FF2B5EF4-FFF2-40B4-BE49-F238E27FC236}">
+                <a16:creationId xmlns:a16="http://schemas.microsoft.com/office/drawing/2014/main" id="{22F1E627-5716-109C-BFC7-560ACC52DEA1}"/>
+              </a:ext>
+            </a:extLst>
+          </p:cNvPr>
+          <p:cNvSpPr txBox="1"/>
+          <p:nvPr/>
+        </p:nvSpPr>
+        <p:spPr>
+          <a:xfrm>
+            <a:off x="590762" y="206033"/>
+            <a:ext cx="8233641" cy="461665"/>
+          </a:xfrm>
+          <a:prstGeom prst="rect">
+            <a:avLst/>
+          </a:prstGeom>
+          <a:noFill/>
+        </p:spPr>
+        <p:txBody>
+          <a:bodyPr wrap="square" rtlCol="0">
+            <a:spAutoFit/>
+          </a:bodyPr>
+          <a:lstStyle/>
+          <a:p>
+            <a:r>
+              <a:rPr lang="en-US" altLang="ko-KR" sz="2400" b="1" dirty="0">
+                <a:solidFill>
+                  <a:srgbClr val="003057"/>
+                </a:solidFill>
+              </a:rPr>
+              <a:t>10. UI</a:t>
+            </a:r>
+            <a:r>
+              <a:rPr lang="ko-KR" altLang="en-US" sz="2400" b="1" dirty="0">
+                <a:solidFill>
+                  <a:srgbClr val="003057"/>
+                </a:solidFill>
+              </a:rPr>
+              <a:t>시연 및 핵심기능</a:t>
+            </a:r>
+            <a:r>
+              <a:rPr lang="en-US" altLang="ko-KR" sz="2400" b="1" dirty="0">
+                <a:solidFill>
+                  <a:srgbClr val="003057"/>
+                </a:solidFill>
+              </a:rPr>
+              <a:t> – </a:t>
+            </a:r>
+            <a:r>
+              <a:rPr lang="ko-KR" altLang="en-US" sz="2400" b="1" dirty="0">
+                <a:solidFill>
+                  <a:srgbClr val="003057"/>
+                </a:solidFill>
+              </a:rPr>
+              <a:t>에러 페이지</a:t>
+            </a:r>
+          </a:p>
+        </p:txBody>
+      </p:sp>
+      <p:sp>
+        <p:nvSpPr>
+          <p:cNvPr id="22" name="직사각형 21">
+            <a:extLst>
+              <a:ext uri="{FF2B5EF4-FFF2-40B4-BE49-F238E27FC236}">
+                <a16:creationId xmlns:a16="http://schemas.microsoft.com/office/drawing/2014/main" id="{0D9FEB9E-FE1D-3E34-00CE-8975ED7B660D}"/>
+              </a:ext>
+            </a:extLst>
+          </p:cNvPr>
+          <p:cNvSpPr/>
+          <p:nvPr/>
+        </p:nvSpPr>
+        <p:spPr>
+          <a:xfrm>
+            <a:off x="0" y="0"/>
+            <a:ext cx="234892" cy="6858000"/>
+          </a:xfrm>
+          <a:prstGeom prst="rect">
+            <a:avLst/>
+          </a:prstGeom>
+          <a:solidFill>
+            <a:srgbClr val="517891"/>
+          </a:solidFill>
+          <a:ln>
+            <a:noFill/>
+          </a:ln>
+        </p:spPr>
+        <p:style>
+          <a:lnRef idx="2">
+            <a:schemeClr val="accent1">
+              <a:shade val="50000"/>
+            </a:schemeClr>
+          </a:lnRef>
+          <a:fillRef idx="1">
+            <a:schemeClr val="accent1"/>
+          </a:fillRef>
+          <a:effectRef idx="0">
+            <a:schemeClr val="accent1"/>
+          </a:effectRef>
+          <a:fontRef idx="minor">
+            <a:schemeClr val="lt1"/>
+          </a:fontRef>
+        </p:style>
+        <p:txBody>
+          <a:bodyPr rtlCol="0" anchor="ctr"/>
+          <a:lstStyle/>
+          <a:p>
+            <a:pPr algn="ctr"/>
+            <a:endParaRPr lang="ko-KR" altLang="en-US"/>
+          </a:p>
+        </p:txBody>
+      </p:sp>
+      <p:sp>
+        <p:nvSpPr>
+          <p:cNvPr id="54" name="직사각형 53">
+            <a:extLst>
+              <a:ext uri="{FF2B5EF4-FFF2-40B4-BE49-F238E27FC236}">
+                <a16:creationId xmlns:a16="http://schemas.microsoft.com/office/drawing/2014/main" id="{5765307F-4473-C85F-573B-A9800103C052}"/>
+              </a:ext>
+            </a:extLst>
+          </p:cNvPr>
+          <p:cNvSpPr/>
+          <p:nvPr/>
+        </p:nvSpPr>
+        <p:spPr>
+          <a:xfrm>
+            <a:off x="7875226" y="1765579"/>
+            <a:ext cx="528266" cy="425675"/>
+          </a:xfrm>
+          <a:prstGeom prst="rect">
+            <a:avLst/>
+          </a:prstGeom>
+          <a:noFill/>
+          <a:ln w="28575">
+            <a:noFill/>
+          </a:ln>
+        </p:spPr>
+        <p:style>
+          <a:lnRef idx="2">
+            <a:schemeClr val="accent1">
+              <a:shade val="50000"/>
+            </a:schemeClr>
+          </a:lnRef>
+          <a:fillRef idx="1">
+            <a:schemeClr val="accent1"/>
+          </a:fillRef>
+          <a:effectRef idx="0">
+            <a:schemeClr val="accent1"/>
+          </a:effectRef>
+          <a:fontRef idx="minor">
+            <a:schemeClr val="lt1"/>
+          </a:fontRef>
+        </p:style>
+        <p:txBody>
+          <a:bodyPr rtlCol="0" anchor="ctr"/>
+          <a:lstStyle/>
+          <a:p>
+            <a:pPr algn="ctr"/>
+            <a:r>
+              <a:rPr lang="ko-KR" altLang="en-US" dirty="0">
+                <a:solidFill>
+                  <a:srgbClr val="FF0000"/>
+                </a:solidFill>
+              </a:rPr>
+              <a:t>①</a:t>
+            </a:r>
+            <a:r>
+              <a:rPr lang="en-US" altLang="ko-KR" dirty="0">
+                <a:solidFill>
+                  <a:srgbClr val="FF0000"/>
+                </a:solidFill>
+              </a:rPr>
+              <a:t>,</a:t>
+            </a:r>
+            <a:r>
+              <a:rPr lang="en-US" altLang="ko-KR" dirty="0"/>
+              <a:t>.</a:t>
+            </a:r>
+            <a:endParaRPr lang="ko-KR" altLang="en-US" dirty="0"/>
+          </a:p>
+        </p:txBody>
+      </p:sp>
+      <p:sp>
+        <p:nvSpPr>
+          <p:cNvPr id="58" name="직사각형 57">
+            <a:extLst>
+              <a:ext uri="{FF2B5EF4-FFF2-40B4-BE49-F238E27FC236}">
+                <a16:creationId xmlns:a16="http://schemas.microsoft.com/office/drawing/2014/main" id="{C0B0BD25-C642-A2EE-2E39-C538C0259926}"/>
+              </a:ext>
+            </a:extLst>
+          </p:cNvPr>
+          <p:cNvSpPr/>
+          <p:nvPr/>
+        </p:nvSpPr>
+        <p:spPr>
+          <a:xfrm>
+            <a:off x="8212544" y="1759111"/>
+            <a:ext cx="418694" cy="425675"/>
+          </a:xfrm>
+          <a:prstGeom prst="rect">
+            <a:avLst/>
+          </a:prstGeom>
+          <a:noFill/>
+          <a:ln w="28575">
+            <a:noFill/>
+          </a:ln>
+        </p:spPr>
+        <p:style>
+          <a:lnRef idx="2">
+            <a:schemeClr val="accent1">
+              <a:shade val="50000"/>
+            </a:schemeClr>
+          </a:lnRef>
+          <a:fillRef idx="1">
+            <a:schemeClr val="accent1"/>
+          </a:fillRef>
+          <a:effectRef idx="0">
+            <a:schemeClr val="accent1"/>
+          </a:effectRef>
+          <a:fontRef idx="minor">
+            <a:schemeClr val="lt1"/>
+          </a:fontRef>
+        </p:style>
+        <p:txBody>
+          <a:bodyPr rtlCol="0" anchor="ctr"/>
+          <a:lstStyle/>
+          <a:p>
+            <a:pPr algn="ctr"/>
+            <a:r>
+              <a:rPr lang="ko-KR" altLang="en-US" dirty="0">
+                <a:solidFill>
+                  <a:srgbClr val="FF0000"/>
+                </a:solidFill>
+              </a:rPr>
+              <a:t>②</a:t>
+            </a:r>
+            <a:r>
+              <a:rPr lang="en-US" altLang="ko-KR" dirty="0"/>
+              <a:t>.</a:t>
+            </a:r>
+            <a:endParaRPr lang="ko-KR" altLang="en-US" dirty="0"/>
+          </a:p>
+        </p:txBody>
+      </p:sp>
+      <p:sp>
+        <p:nvSpPr>
+          <p:cNvPr id="23" name="직사각형 22">
+            <a:extLst>
+              <a:ext uri="{FF2B5EF4-FFF2-40B4-BE49-F238E27FC236}">
+                <a16:creationId xmlns:a16="http://schemas.microsoft.com/office/drawing/2014/main" id="{22C010B1-4B23-41B0-7E85-AC0836609882}"/>
+              </a:ext>
+            </a:extLst>
+          </p:cNvPr>
+          <p:cNvSpPr/>
+          <p:nvPr/>
+        </p:nvSpPr>
+        <p:spPr>
+          <a:xfrm>
+            <a:off x="2620287" y="760370"/>
+            <a:ext cx="418694" cy="425675"/>
+          </a:xfrm>
+          <a:prstGeom prst="rect">
+            <a:avLst/>
+          </a:prstGeom>
+          <a:noFill/>
+          <a:ln w="28575">
+            <a:noFill/>
+          </a:ln>
+        </p:spPr>
+        <p:style>
+          <a:lnRef idx="2">
+            <a:schemeClr val="accent1">
+              <a:shade val="50000"/>
+            </a:schemeClr>
+          </a:lnRef>
+          <a:fillRef idx="1">
+            <a:schemeClr val="accent1"/>
+          </a:fillRef>
+          <a:effectRef idx="0">
+            <a:schemeClr val="accent1"/>
+          </a:effectRef>
+          <a:fontRef idx="minor">
+            <a:schemeClr val="lt1"/>
+          </a:fontRef>
+        </p:style>
+        <p:txBody>
+          <a:bodyPr rtlCol="0" anchor="ctr"/>
+          <a:lstStyle/>
+          <a:p>
+            <a:pPr algn="ctr"/>
+            <a:r>
+              <a:rPr lang="ko-KR" altLang="en-US" dirty="0">
+                <a:solidFill>
+                  <a:srgbClr val="FF0000"/>
+                </a:solidFill>
+              </a:rPr>
+              <a:t>①</a:t>
+            </a:r>
+            <a:r>
+              <a:rPr lang="en-US" altLang="ko-KR" dirty="0"/>
+              <a:t>.</a:t>
+            </a:r>
+            <a:endParaRPr lang="ko-KR" altLang="en-US" dirty="0"/>
+          </a:p>
+        </p:txBody>
+      </p:sp>
+      <p:sp>
+        <p:nvSpPr>
+          <p:cNvPr id="35" name="TextBox 34">
+            <a:extLst>
+              <a:ext uri="{FF2B5EF4-FFF2-40B4-BE49-F238E27FC236}">
+                <a16:creationId xmlns:a16="http://schemas.microsoft.com/office/drawing/2014/main" id="{DC43DE9A-2418-13BC-9E20-FF03F7D64DD6}"/>
+              </a:ext>
+            </a:extLst>
+          </p:cNvPr>
+          <p:cNvSpPr txBox="1"/>
+          <p:nvPr/>
+        </p:nvSpPr>
+        <p:spPr>
+          <a:xfrm>
+            <a:off x="8017611" y="2175261"/>
+            <a:ext cx="3324949" cy="923330"/>
+          </a:xfrm>
+          <a:prstGeom prst="rect">
+            <a:avLst/>
+          </a:prstGeom>
+          <a:noFill/>
+        </p:spPr>
+        <p:txBody>
+          <a:bodyPr wrap="none" rtlCol="0">
+            <a:spAutoFit/>
+          </a:bodyPr>
+          <a:lstStyle/>
+          <a:p>
+            <a:r>
+              <a:rPr lang="ko-KR" altLang="en-US" dirty="0"/>
+              <a:t>에러 페이지 설정</a:t>
+            </a:r>
+            <a:endParaRPr lang="en-US" altLang="ko-KR" dirty="0"/>
+          </a:p>
+          <a:p>
+            <a:pPr marL="285750" indent="-285750">
+              <a:buFontTx/>
+              <a:buChar char="-"/>
+            </a:pPr>
+            <a:r>
+              <a:rPr lang="en-US" altLang="ko-KR" dirty="0"/>
+              <a:t>404</a:t>
+            </a:r>
+            <a:r>
+              <a:rPr lang="ko-KR" altLang="en-US" dirty="0"/>
+              <a:t>에러와 </a:t>
+            </a:r>
+            <a:r>
+              <a:rPr lang="en-US" altLang="ko-KR" dirty="0"/>
+              <a:t>500</a:t>
+            </a:r>
+            <a:r>
+              <a:rPr lang="ko-KR" altLang="en-US" dirty="0"/>
+              <a:t>에러에 대한 </a:t>
+            </a:r>
+            <a:endParaRPr lang="en-US" altLang="ko-KR" dirty="0"/>
+          </a:p>
+          <a:p>
+            <a:r>
+              <a:rPr lang="en-US" altLang="ko-KR" dirty="0"/>
+              <a:t>   </a:t>
+            </a:r>
+            <a:r>
+              <a:rPr lang="ko-KR" altLang="en-US" dirty="0"/>
+              <a:t>에러페이지 설정</a:t>
+            </a:r>
+            <a:endParaRPr lang="en-US" altLang="ko-KR" dirty="0"/>
+          </a:p>
+        </p:txBody>
+      </p:sp>
+      <p:pic>
+        <p:nvPicPr>
+          <p:cNvPr id="27" name="그림 26">
+            <a:extLst>
+              <a:ext uri="{FF2B5EF4-FFF2-40B4-BE49-F238E27FC236}">
+                <a16:creationId xmlns:a16="http://schemas.microsoft.com/office/drawing/2014/main" id="{78E24B5E-AE2A-19AC-815B-79AED7157BEC}"/>
+              </a:ext>
+            </a:extLst>
+          </p:cNvPr>
+          <p:cNvPicPr>
+            <a:picLocks noChangeAspect="1"/>
+          </p:cNvPicPr>
+          <p:nvPr/>
+        </p:nvPicPr>
+        <p:blipFill>
+          <a:blip r:embed="rId3"/>
+          <a:stretch>
+            <a:fillRect/>
+          </a:stretch>
+        </p:blipFill>
+        <p:spPr>
+          <a:xfrm>
+            <a:off x="3037282" y="943779"/>
+            <a:ext cx="4570324" cy="2593123"/>
+          </a:xfrm>
+          <a:prstGeom prst="rect">
+            <a:avLst/>
+          </a:prstGeom>
+        </p:spPr>
+      </p:pic>
+      <p:pic>
+        <p:nvPicPr>
+          <p:cNvPr id="5" name="그림 4">
+            <a:extLst>
+              <a:ext uri="{FF2B5EF4-FFF2-40B4-BE49-F238E27FC236}">
+                <a16:creationId xmlns:a16="http://schemas.microsoft.com/office/drawing/2014/main" id="{750E1306-3153-FAF4-4612-C02250686E41}"/>
+              </a:ext>
+            </a:extLst>
+          </p:cNvPr>
+          <p:cNvPicPr>
+            <a:picLocks noChangeAspect="1"/>
+          </p:cNvPicPr>
+          <p:nvPr/>
+        </p:nvPicPr>
+        <p:blipFill>
+          <a:blip r:embed="rId4"/>
+          <a:stretch>
+            <a:fillRect/>
+          </a:stretch>
+        </p:blipFill>
+        <p:spPr>
+          <a:xfrm>
+            <a:off x="670282" y="2352858"/>
+            <a:ext cx="1692450" cy="1789308"/>
+          </a:xfrm>
+          <a:prstGeom prst="rect">
+            <a:avLst/>
+          </a:prstGeom>
+        </p:spPr>
+      </p:pic>
+      <p:sp>
+        <p:nvSpPr>
+          <p:cNvPr id="32" name="사각형: 둥근 모서리 31">
+            <a:extLst>
+              <a:ext uri="{FF2B5EF4-FFF2-40B4-BE49-F238E27FC236}">
+                <a16:creationId xmlns:a16="http://schemas.microsoft.com/office/drawing/2014/main" id="{B98D9401-3422-C77C-E495-F76FE68076FB}"/>
+              </a:ext>
+            </a:extLst>
+          </p:cNvPr>
+          <p:cNvSpPr/>
+          <p:nvPr/>
+        </p:nvSpPr>
+        <p:spPr>
+          <a:xfrm>
+            <a:off x="3044636" y="876709"/>
+            <a:ext cx="4292614" cy="2370803"/>
+          </a:xfrm>
+          <a:prstGeom prst="roundRect">
+            <a:avLst/>
+          </a:prstGeom>
+          <a:noFill/>
+          <a:ln>
+            <a:solidFill>
+              <a:srgbClr val="FF0000"/>
+            </a:solidFill>
+          </a:ln>
+        </p:spPr>
+        <p:style>
+          <a:lnRef idx="2">
+            <a:schemeClr val="accent1">
+              <a:shade val="50000"/>
+            </a:schemeClr>
+          </a:lnRef>
+          <a:fillRef idx="1">
+            <a:schemeClr val="accent1"/>
+          </a:fillRef>
+          <a:effectRef idx="0">
+            <a:schemeClr val="accent1"/>
+          </a:effectRef>
+          <a:fontRef idx="minor">
+            <a:schemeClr val="lt1"/>
+          </a:fontRef>
+        </p:style>
+        <p:txBody>
+          <a:bodyPr rtlCol="0" anchor="ctr"/>
+          <a:lstStyle/>
+          <a:p>
+            <a:pPr algn="ctr"/>
+            <a:endParaRPr lang="ko-KR" altLang="en-US" dirty="0"/>
+          </a:p>
+        </p:txBody>
+      </p:sp>
+      <p:sp>
+        <p:nvSpPr>
+          <p:cNvPr id="33" name="직사각형 32">
+            <a:extLst>
+              <a:ext uri="{FF2B5EF4-FFF2-40B4-BE49-F238E27FC236}">
+                <a16:creationId xmlns:a16="http://schemas.microsoft.com/office/drawing/2014/main" id="{68FF84F7-3C1F-F289-F4C7-7A2E96666E33}"/>
+              </a:ext>
+            </a:extLst>
+          </p:cNvPr>
+          <p:cNvSpPr/>
+          <p:nvPr/>
+        </p:nvSpPr>
+        <p:spPr>
+          <a:xfrm>
+            <a:off x="2609431" y="3310755"/>
+            <a:ext cx="418694" cy="425675"/>
+          </a:xfrm>
+          <a:prstGeom prst="rect">
+            <a:avLst/>
+          </a:prstGeom>
+          <a:noFill/>
+          <a:ln w="28575">
+            <a:noFill/>
+          </a:ln>
+        </p:spPr>
+        <p:style>
+          <a:lnRef idx="2">
+            <a:schemeClr val="accent1">
+              <a:shade val="50000"/>
+            </a:schemeClr>
+          </a:lnRef>
+          <a:fillRef idx="1">
+            <a:schemeClr val="accent1"/>
+          </a:fillRef>
+          <a:effectRef idx="0">
+            <a:schemeClr val="accent1"/>
+          </a:effectRef>
+          <a:fontRef idx="minor">
+            <a:schemeClr val="lt1"/>
+          </a:fontRef>
+        </p:style>
+        <p:txBody>
+          <a:bodyPr rtlCol="0" anchor="ctr"/>
+          <a:lstStyle/>
+          <a:p>
+            <a:pPr algn="ctr"/>
+            <a:r>
+              <a:rPr lang="ko-KR" altLang="en-US" dirty="0">
+                <a:solidFill>
+                  <a:srgbClr val="FF0000"/>
+                </a:solidFill>
+              </a:rPr>
+              <a:t>②</a:t>
+            </a:r>
+            <a:r>
+              <a:rPr lang="en-US" altLang="ko-KR" dirty="0"/>
+              <a:t>.</a:t>
+            </a:r>
+            <a:endParaRPr lang="ko-KR" altLang="en-US" dirty="0"/>
+          </a:p>
+        </p:txBody>
+      </p:sp>
+      <p:sp>
+        <p:nvSpPr>
+          <p:cNvPr id="30" name="사각형: 둥근 모서리 29">
+            <a:extLst>
+              <a:ext uri="{FF2B5EF4-FFF2-40B4-BE49-F238E27FC236}">
+                <a16:creationId xmlns:a16="http://schemas.microsoft.com/office/drawing/2014/main" id="{90DDEF7E-B8AE-A7D1-0FC6-E40171CCC2FE}"/>
+              </a:ext>
+            </a:extLst>
+          </p:cNvPr>
+          <p:cNvSpPr/>
+          <p:nvPr/>
+        </p:nvSpPr>
+        <p:spPr>
+          <a:xfrm>
+            <a:off x="3037281" y="3459378"/>
+            <a:ext cx="4292209" cy="2418526"/>
+          </a:xfrm>
+          <a:prstGeom prst="roundRect">
+            <a:avLst/>
+          </a:prstGeom>
+          <a:noFill/>
+          <a:ln>
+            <a:solidFill>
+              <a:srgbClr val="FF0000"/>
+            </a:solidFill>
+          </a:ln>
+        </p:spPr>
+        <p:style>
+          <a:lnRef idx="2">
+            <a:schemeClr val="accent1">
+              <a:shade val="50000"/>
+            </a:schemeClr>
+          </a:lnRef>
+          <a:fillRef idx="1">
+            <a:schemeClr val="accent1"/>
+          </a:fillRef>
+          <a:effectRef idx="0">
+            <a:schemeClr val="accent1"/>
+          </a:effectRef>
+          <a:fontRef idx="minor">
+            <a:schemeClr val="lt1"/>
+          </a:fontRef>
+        </p:style>
+        <p:txBody>
+          <a:bodyPr rtlCol="0" anchor="ctr"/>
+          <a:lstStyle/>
+          <a:p>
+            <a:pPr algn="ctr"/>
+            <a:endParaRPr lang="ko-KR" altLang="en-US" dirty="0"/>
+          </a:p>
+        </p:txBody>
+      </p:sp>
+      <p:sp>
+        <p:nvSpPr>
+          <p:cNvPr id="34" name="사각형: 둥근 모서리 33">
+            <a:extLst>
+              <a:ext uri="{FF2B5EF4-FFF2-40B4-BE49-F238E27FC236}">
+                <a16:creationId xmlns:a16="http://schemas.microsoft.com/office/drawing/2014/main" id="{E0CBC7DA-E849-3027-80E7-D4292A356371}"/>
+              </a:ext>
+            </a:extLst>
+          </p:cNvPr>
+          <p:cNvSpPr/>
+          <p:nvPr/>
+        </p:nvSpPr>
+        <p:spPr>
+          <a:xfrm>
+            <a:off x="926109" y="3247512"/>
+            <a:ext cx="646723" cy="309080"/>
+          </a:xfrm>
+          <a:prstGeom prst="roundRect">
+            <a:avLst/>
+          </a:prstGeom>
+          <a:noFill/>
+          <a:ln>
+            <a:solidFill>
+              <a:schemeClr val="accent6">
+                <a:lumMod val="75000"/>
+              </a:schemeClr>
+            </a:solidFill>
+          </a:ln>
+        </p:spPr>
+        <p:style>
+          <a:lnRef idx="2">
+            <a:schemeClr val="accent1">
+              <a:shade val="50000"/>
+            </a:schemeClr>
+          </a:lnRef>
+          <a:fillRef idx="1">
+            <a:schemeClr val="accent1"/>
+          </a:fillRef>
+          <a:effectRef idx="0">
+            <a:schemeClr val="accent1"/>
+          </a:effectRef>
+          <a:fontRef idx="minor">
+            <a:schemeClr val="lt1"/>
+          </a:fontRef>
+        </p:style>
+        <p:txBody>
+          <a:bodyPr rtlCol="0" anchor="ctr"/>
+          <a:lstStyle/>
+          <a:p>
+            <a:pPr algn="ctr"/>
+            <a:endParaRPr lang="ko-KR" altLang="en-US"/>
+          </a:p>
+        </p:txBody>
+      </p:sp>
+    </p:spTree>
+    <p:extLst>
+      <p:ext uri="{BB962C8B-B14F-4D97-AF65-F5344CB8AC3E}">
+        <p14:creationId xmlns:p14="http://schemas.microsoft.com/office/powerpoint/2010/main" val="2740989036"/>
+      </p:ext>
+    </p:extLst>
+  </p:cSld>
+  <p:clrMapOvr>
+    <a:masterClrMapping/>
+  </p:clrMapOvr>
+</p:sld>
+</file>
+
+<file path=ppt/slides/slide32.xml><?xml version="1.0" encoding="utf-8"?>
+<p:sld xmlns:a="http://schemas.openxmlformats.org/drawingml/2006/main" xmlns:r="http://schemas.openxmlformats.org/officeDocument/2006/relationships" xmlns:p="http://schemas.openxmlformats.org/presentationml/2006/main">
+  <p:cSld>
+    <p:spTree>
+      <p:nvGrpSpPr>
+        <p:cNvPr id="1" name=""/>
+        <p:cNvGrpSpPr/>
+        <p:nvPr/>
+      </p:nvGrpSpPr>
+      <p:grpSpPr>
+        <a:xfrm>
+          <a:off x="0" y="0"/>
+          <a:ext cx="0" cy="0"/>
+          <a:chOff x="0" y="0"/>
+          <a:chExt cx="0" cy="0"/>
+        </a:xfrm>
+      </p:grpSpPr>
+      <p:sp>
+        <p:nvSpPr>
+          <p:cNvPr id="2" name="슬라이드 번호 개체 틀 1"/>
+          <p:cNvSpPr>
+            <a:spLocks noGrp="1"/>
+          </p:cNvSpPr>
+          <p:nvPr>
+            <p:ph type="sldNum" sz="quarter" idx="12"/>
+          </p:nvPr>
+        </p:nvSpPr>
+        <p:spPr/>
+        <p:txBody>
+          <a:bodyPr/>
+          <a:lstStyle/>
+          <a:p>
+            <a:fld id="{8E974B11-60DB-405B-8211-256C6E064270}" type="slidenum">
+              <a:rPr lang="ko-KR" altLang="en-US" smtClean="0"/>
+              <a:pPr/>
+              <a:t>32</a:t>
             </a:fld>
             <a:endParaRPr lang="ko-KR" altLang="en-US" dirty="0"/>
           </a:p>
@@ -25945,7 +26750,7 @@
         </p:spPr>
         <p:txBody>
           <a:bodyPr>
-            <a:normAutofit fontScale="85000" lnSpcReduction="20000"/>
+            <a:normAutofit/>
           </a:bodyPr>
           <a:lstStyle/>
           <a:p>
@@ -25965,61 +26770,6 @@
               <a:rPr lang="en-US" altLang="ko-KR" dirty="0"/>
               <a:t>)</a:t>
             </a:r>
-          </a:p>
-          <a:p>
-            <a:endParaRPr lang="en-US" altLang="ko-KR" dirty="0"/>
-          </a:p>
-          <a:p>
-            <a:r>
-              <a:rPr lang="en-US" altLang="ko-KR" dirty="0"/>
-              <a:t>Timer</a:t>
-            </a:r>
-            <a:r>
-              <a:rPr lang="ko-KR" altLang="en-US" dirty="0"/>
-              <a:t> 활용한 근로계약서 일정시간후 삭제 기능 추가</a:t>
-            </a:r>
-            <a:endParaRPr lang="en-US" altLang="ko-KR" dirty="0"/>
-          </a:p>
-          <a:p>
-            <a:endParaRPr lang="en-US" altLang="ko-KR" dirty="0"/>
-          </a:p>
-          <a:p>
-            <a:r>
-              <a:rPr lang="en-US" altLang="ko-KR" dirty="0"/>
-              <a:t>Cookies</a:t>
-            </a:r>
-            <a:r>
-              <a:rPr lang="ko-KR" altLang="en-US" dirty="0"/>
-              <a:t> 활용한 공지사항 팝업 특정시간 동안 </a:t>
-            </a:r>
-            <a:r>
-              <a:rPr lang="ko-KR" altLang="en-US" dirty="0" err="1"/>
-              <a:t>띄우지않기</a:t>
-            </a:r>
-            <a:endParaRPr lang="en-US" altLang="ko-KR" dirty="0"/>
-          </a:p>
-          <a:p>
-            <a:endParaRPr lang="en-US" altLang="ko-KR" dirty="0"/>
-          </a:p>
-          <a:p>
-            <a:r>
-              <a:rPr lang="ko-KR" altLang="en-US" dirty="0"/>
-              <a:t>초기 파트타이머 근로계약서 작성시 이름검색기능을 추가</a:t>
-            </a:r>
-            <a:r>
-              <a:rPr lang="en-US" altLang="ko-KR" dirty="0"/>
-              <a:t>,</a:t>
-            </a:r>
-          </a:p>
-          <a:p>
-            <a:pPr marL="0" indent="0">
-              <a:buNone/>
-            </a:pPr>
-            <a:r>
-              <a:rPr lang="ko-KR" altLang="en-US" dirty="0"/>
-              <a:t>  기존 작성 정보 있으면 개인정보 불러오기</a:t>
-            </a:r>
-            <a:endParaRPr lang="en-US" altLang="ko-KR" dirty="0"/>
           </a:p>
           <a:p>
             <a:pPr marL="0" indent="0">
@@ -26029,15 +26779,36 @@
           </a:p>
           <a:p>
             <a:r>
+              <a:rPr lang="en-US" altLang="ko-KR" dirty="0"/>
+              <a:t>Cookies</a:t>
+            </a:r>
+            <a:r>
               <a:rPr lang="ko-KR" altLang="en-US" dirty="0"/>
-              <a:t>커뮤니케이션을 위한 답글 가능한 건의사항 게시판 추가</a:t>
+              <a:t> 활용한 공지사항 팝업 특정시간 동안 띄우지 않기</a:t>
             </a:r>
             <a:endParaRPr lang="en-US" altLang="ko-KR" dirty="0"/>
+          </a:p>
+          <a:p>
+            <a:endParaRPr lang="en-US" altLang="ko-KR" dirty="0"/>
+          </a:p>
+          <a:p>
+            <a:r>
+              <a:rPr lang="ko-KR" altLang="en-US" dirty="0"/>
+              <a:t>초기 파트타이머 근로계약서 작성시 이름검색기능을 추가</a:t>
+            </a:r>
+            <a:r>
+              <a:rPr lang="en-US" altLang="ko-KR" dirty="0"/>
+              <a:t>,</a:t>
+            </a:r>
           </a:p>
           <a:p>
             <a:pPr marL="0" indent="0">
               <a:buNone/>
             </a:pPr>
+            <a:r>
+              <a:rPr lang="ko-KR" altLang="en-US" dirty="0"/>
+              <a:t>  기존 작성 정보 있으면 개인정보 불러오기</a:t>
+            </a:r>
             <a:r>
               <a:rPr lang="en-US" altLang="ko-KR" dirty="0"/>
               <a:t>  </a:t>
